--- a/ProjectReportPresentation.pptx
+++ b/ProjectReportPresentation.pptx
@@ -224,7 +224,7 @@
           <a:p>
             <a:fld id="{8FA2BE9F-DAE6-48F5-9E72-C32827DA6BA0}" type="datetimeFigureOut">
               <a:rPr lang="en-US" smtClean="0"/>
-              <a:t>4/4/2023</a:t>
+              <a:t>4/5/2023</a:t>
             </a:fld>
             <a:endParaRPr lang="en-US"/>
           </a:p>
@@ -1282,7 +1282,7 @@
           <a:p>
             <a:fld id="{1A3DC9A9-B6E5-4E50-9F75-EF86E7D5F96E}" type="datetimeFigureOut">
               <a:rPr lang="en-US" smtClean="0"/>
-              <a:t>4/4/2023</a:t>
+              <a:t>4/5/2023</a:t>
             </a:fld>
             <a:endParaRPr lang="en-US"/>
           </a:p>
@@ -1480,7 +1480,7 @@
           <a:p>
             <a:fld id="{1A3DC9A9-B6E5-4E50-9F75-EF86E7D5F96E}" type="datetimeFigureOut">
               <a:rPr lang="en-US" smtClean="0"/>
-              <a:t>4/4/2023</a:t>
+              <a:t>4/5/2023</a:t>
             </a:fld>
             <a:endParaRPr lang="en-US"/>
           </a:p>
@@ -1688,7 +1688,7 @@
           <a:p>
             <a:fld id="{1A3DC9A9-B6E5-4E50-9F75-EF86E7D5F96E}" type="datetimeFigureOut">
               <a:rPr lang="en-US" smtClean="0"/>
-              <a:t>4/4/2023</a:t>
+              <a:t>4/5/2023</a:t>
             </a:fld>
             <a:endParaRPr lang="en-US"/>
           </a:p>
@@ -1886,7 +1886,7 @@
           <a:p>
             <a:fld id="{1A3DC9A9-B6E5-4E50-9F75-EF86E7D5F96E}" type="datetimeFigureOut">
               <a:rPr lang="en-US" smtClean="0"/>
-              <a:t>4/4/2023</a:t>
+              <a:t>4/5/2023</a:t>
             </a:fld>
             <a:endParaRPr lang="en-US"/>
           </a:p>
@@ -2161,7 +2161,7 @@
           <a:p>
             <a:fld id="{1A3DC9A9-B6E5-4E50-9F75-EF86E7D5F96E}" type="datetimeFigureOut">
               <a:rPr lang="en-US" smtClean="0"/>
-              <a:t>4/4/2023</a:t>
+              <a:t>4/5/2023</a:t>
             </a:fld>
             <a:endParaRPr lang="en-US"/>
           </a:p>
@@ -2426,7 +2426,7 @@
           <a:p>
             <a:fld id="{1A3DC9A9-B6E5-4E50-9F75-EF86E7D5F96E}" type="datetimeFigureOut">
               <a:rPr lang="en-US" smtClean="0"/>
-              <a:t>4/4/2023</a:t>
+              <a:t>4/5/2023</a:t>
             </a:fld>
             <a:endParaRPr lang="en-US"/>
           </a:p>
@@ -2838,7 +2838,7 @@
           <a:p>
             <a:fld id="{1A3DC9A9-B6E5-4E50-9F75-EF86E7D5F96E}" type="datetimeFigureOut">
               <a:rPr lang="en-US" smtClean="0"/>
-              <a:t>4/4/2023</a:t>
+              <a:t>4/5/2023</a:t>
             </a:fld>
             <a:endParaRPr lang="en-US"/>
           </a:p>
@@ -2979,7 +2979,7 @@
           <a:p>
             <a:fld id="{1A3DC9A9-B6E5-4E50-9F75-EF86E7D5F96E}" type="datetimeFigureOut">
               <a:rPr lang="en-US" smtClean="0"/>
-              <a:t>4/4/2023</a:t>
+              <a:t>4/5/2023</a:t>
             </a:fld>
             <a:endParaRPr lang="en-US"/>
           </a:p>
@@ -3092,7 +3092,7 @@
           <a:p>
             <a:fld id="{1A3DC9A9-B6E5-4E50-9F75-EF86E7D5F96E}" type="datetimeFigureOut">
               <a:rPr lang="en-US" smtClean="0"/>
-              <a:t>4/4/2023</a:t>
+              <a:t>4/5/2023</a:t>
             </a:fld>
             <a:endParaRPr lang="en-US"/>
           </a:p>
@@ -3403,7 +3403,7 @@
           <a:p>
             <a:fld id="{1A3DC9A9-B6E5-4E50-9F75-EF86E7D5F96E}" type="datetimeFigureOut">
               <a:rPr lang="en-US" smtClean="0"/>
-              <a:t>4/4/2023</a:t>
+              <a:t>4/5/2023</a:t>
             </a:fld>
             <a:endParaRPr lang="en-US"/>
           </a:p>
@@ -3691,7 +3691,7 @@
           <a:p>
             <a:fld id="{1A3DC9A9-B6E5-4E50-9F75-EF86E7D5F96E}" type="datetimeFigureOut">
               <a:rPr lang="en-US" smtClean="0"/>
-              <a:t>4/4/2023</a:t>
+              <a:t>4/5/2023</a:t>
             </a:fld>
             <a:endParaRPr lang="en-US"/>
           </a:p>
@@ -3932,7 +3932,7 @@
           <a:p>
             <a:fld id="{1A3DC9A9-B6E5-4E50-9F75-EF86E7D5F96E}" type="datetimeFigureOut">
               <a:rPr lang="en-US" smtClean="0"/>
-              <a:t>4/4/2023</a:t>
+              <a:t>4/5/2023</a:t>
             </a:fld>
             <a:endParaRPr lang="en-US"/>
           </a:p>
@@ -4379,7 +4379,7 @@
           <a:p>
             <a:r>
               <a:rPr lang="en-US" sz="4000" dirty="0"/>
-              <a:t>Exploratory Big Data visualization</a:t>
+              <a:t>Exploratory Big Data Visualization</a:t>
             </a:r>
             <a:endParaRPr lang="en-US" sz="2800" dirty="0"/>
           </a:p>
@@ -11472,7 +11472,7 @@
               <a:buChar char="•"/>
             </a:pPr>
             <a:r>
-              <a:rPr lang="en-US"/>
+              <a:rPr lang="en-US" dirty="0"/>
               <a:t>Generated 100MB data</a:t>
             </a:r>
           </a:p>
@@ -11482,10 +11482,9 @@
               <a:buChar char="•"/>
             </a:pPr>
             <a:r>
-              <a:rPr lang="en-US"/>
+              <a:rPr lang="en-US" dirty="0"/>
               <a:t>Visualized Lineitem table</a:t>
             </a:r>
-            <a:endParaRPr lang="en-US" dirty="0"/>
           </a:p>
         </p:txBody>
       </p:sp>
@@ -11518,54 +11517,7 @@
         </p:blipFill>
         <p:spPr bwMode="auto">
           <a:xfrm>
-            <a:off x="304800" y="2626282"/>
-            <a:ext cx="3848100" cy="2514600"/>
-          </a:xfrm>
-          <a:prstGeom prst="rect">
-            <a:avLst/>
-          </a:prstGeom>
-          <a:noFill/>
-          <a:extLst>
-            <a:ext uri="{909E8E84-426E-40DD-AFC4-6F175D3DCCD1}">
-              <a14:hiddenFill xmlns:a14="http://schemas.microsoft.com/office/drawing/2010/main">
-                <a:solidFill>
-                  <a:srgbClr val="FFFFFF"/>
-                </a:solidFill>
-              </a14:hiddenFill>
-            </a:ext>
-          </a:extLst>
-        </p:spPr>
-      </p:pic>
-      <p:pic>
-        <p:nvPicPr>
-          <p:cNvPr id="1038" name="Picture 14">
-            <a:extLst>
-              <a:ext uri="{FF2B5EF4-FFF2-40B4-BE49-F238E27FC236}">
-                <a16:creationId xmlns:a16="http://schemas.microsoft.com/office/drawing/2014/main" id="{0DC2DD8D-C11A-B243-5963-172F30188689}"/>
-              </a:ext>
-            </a:extLst>
-          </p:cNvPr>
-          <p:cNvPicPr>
-            <a:picLocks noChangeAspect="1" noChangeArrowheads="1"/>
-          </p:cNvPicPr>
-          <p:nvPr/>
-        </p:nvPicPr>
-        <p:blipFill>
-          <a:blip r:embed="rId3">
-            <a:extLst>
-              <a:ext uri="{28A0092B-C50C-407E-A947-70E740481C1C}">
-                <a14:useLocalDpi xmlns:a14="http://schemas.microsoft.com/office/drawing/2010/main" val="0"/>
-              </a:ext>
-            </a:extLst>
-          </a:blip>
-          <a:srcRect/>
-          <a:stretch>
-            <a:fillRect/>
-          </a:stretch>
-        </p:blipFill>
-        <p:spPr bwMode="auto">
-          <a:xfrm>
-            <a:off x="4171950" y="2626282"/>
+            <a:off x="304800" y="2654221"/>
             <a:ext cx="3848100" cy="2514600"/>
           </a:xfrm>
           <a:prstGeom prst="rect">
@@ -11598,7 +11550,7 @@
           <p:nvPr/>
         </p:nvPicPr>
         <p:blipFill>
-          <a:blip r:embed="rId4">
+          <a:blip r:embed="rId3">
             <a:extLst>
               <a:ext uri="{28A0092B-C50C-407E-A947-70E740481C1C}">
                 <a14:useLocalDpi xmlns:a14="http://schemas.microsoft.com/office/drawing/2010/main" val="0"/>
@@ -11612,7 +11564,7 @@
         </p:blipFill>
         <p:spPr bwMode="auto">
           <a:xfrm>
-            <a:off x="8039100" y="2626282"/>
+            <a:off x="4075222" y="2654221"/>
             <a:ext cx="3848100" cy="2514600"/>
           </a:xfrm>
           <a:prstGeom prst="rect">
@@ -11667,6 +11619,53 @@
           </a:p>
         </p:txBody>
       </p:sp>
+      <p:pic>
+        <p:nvPicPr>
+          <p:cNvPr id="1026" name="Picture 2">
+            <a:extLst>
+              <a:ext uri="{FF2B5EF4-FFF2-40B4-BE49-F238E27FC236}">
+                <a16:creationId xmlns:a16="http://schemas.microsoft.com/office/drawing/2014/main" id="{8F3F2266-75D6-D1F2-2414-87DAD9CE0E53}"/>
+              </a:ext>
+            </a:extLst>
+          </p:cNvPr>
+          <p:cNvPicPr>
+            <a:picLocks noChangeAspect="1" noChangeArrowheads="1"/>
+          </p:cNvPicPr>
+          <p:nvPr/>
+        </p:nvPicPr>
+        <p:blipFill>
+          <a:blip r:embed="rId4">
+            <a:extLst>
+              <a:ext uri="{28A0092B-C50C-407E-A947-70E740481C1C}">
+                <a14:useLocalDpi xmlns:a14="http://schemas.microsoft.com/office/drawing/2010/main" val="0"/>
+              </a:ext>
+            </a:extLst>
+          </a:blip>
+          <a:srcRect/>
+          <a:stretch>
+            <a:fillRect/>
+          </a:stretch>
+        </p:blipFill>
+        <p:spPr bwMode="auto">
+          <a:xfrm>
+            <a:off x="7845644" y="2654221"/>
+            <a:ext cx="3752850" cy="2514600"/>
+          </a:xfrm>
+          <a:prstGeom prst="rect">
+            <a:avLst/>
+          </a:prstGeom>
+          <a:noFill/>
+          <a:extLst>
+            <a:ext uri="{909E8E84-426E-40DD-AFC4-6F175D3DCCD1}">
+              <a14:hiddenFill xmlns:a14="http://schemas.microsoft.com/office/drawing/2010/main">
+                <a:solidFill>
+                  <a:srgbClr val="FFFFFF"/>
+                </a:solidFill>
+              </a14:hiddenFill>
+            </a:ext>
+          </a:extLst>
+        </p:spPr>
+      </p:pic>
     </p:spTree>
     <p:extLst>
       <p:ext uri="{BB962C8B-B14F-4D97-AF65-F5344CB8AC3E}">
@@ -11815,10 +11814,10 @@
       </p:pic>
       <p:pic>
         <p:nvPicPr>
-          <p:cNvPr id="2052" name="Picture 4">
-            <a:extLst>
-              <a:ext uri="{FF2B5EF4-FFF2-40B4-BE49-F238E27FC236}">
-                <a16:creationId xmlns:a16="http://schemas.microsoft.com/office/drawing/2014/main" id="{F228E0BB-7AC6-99F7-BF2D-F7CCD7795397}"/>
+          <p:cNvPr id="2056" name="Picture 8">
+            <a:extLst>
+              <a:ext uri="{FF2B5EF4-FFF2-40B4-BE49-F238E27FC236}">
+                <a16:creationId xmlns:a16="http://schemas.microsoft.com/office/drawing/2014/main" id="{D4FB0426-6A8C-6644-65C1-BE25D7C6BA02}"/>
               </a:ext>
             </a:extLst>
           </p:cNvPr>
@@ -11842,7 +11841,7 @@
         </p:blipFill>
         <p:spPr bwMode="auto">
           <a:xfrm>
-            <a:off x="4248150" y="2682161"/>
+            <a:off x="4067339" y="2682161"/>
             <a:ext cx="3695700" cy="2514600"/>
           </a:xfrm>
           <a:prstGeom prst="rect">
@@ -11862,10 +11861,10 @@
       </p:pic>
       <p:pic>
         <p:nvPicPr>
-          <p:cNvPr id="2056" name="Picture 8">
-            <a:extLst>
-              <a:ext uri="{FF2B5EF4-FFF2-40B4-BE49-F238E27FC236}">
-                <a16:creationId xmlns:a16="http://schemas.microsoft.com/office/drawing/2014/main" id="{D4FB0426-6A8C-6644-65C1-BE25D7C6BA02}"/>
+          <p:cNvPr id="3" name="Picture 2">
+            <a:extLst>
+              <a:ext uri="{FF2B5EF4-FFF2-40B4-BE49-F238E27FC236}">
+                <a16:creationId xmlns:a16="http://schemas.microsoft.com/office/drawing/2014/main" id="{F13E3619-2200-E4BE-0C75-050FBF505351}"/>
               </a:ext>
             </a:extLst>
           </p:cNvPr>
@@ -11889,8 +11888,8 @@
         </p:blipFill>
         <p:spPr bwMode="auto">
           <a:xfrm>
-            <a:off x="8191500" y="2682161"/>
-            <a:ext cx="3695700" cy="2514600"/>
+            <a:off x="7829878" y="2682161"/>
+            <a:ext cx="3752850" cy="2514600"/>
           </a:xfrm>
           <a:prstGeom prst="rect">
             <a:avLst/>
@@ -12035,54 +12034,7 @@
         </p:blipFill>
         <p:spPr bwMode="auto">
           <a:xfrm>
-            <a:off x="381000" y="2896825"/>
-            <a:ext cx="3743325" cy="2514600"/>
-          </a:xfrm>
-          <a:prstGeom prst="rect">
-            <a:avLst/>
-          </a:prstGeom>
-          <a:noFill/>
-          <a:extLst>
-            <a:ext uri="{909E8E84-426E-40DD-AFC4-6F175D3DCCD1}">
-              <a14:hiddenFill xmlns:a14="http://schemas.microsoft.com/office/drawing/2010/main">
-                <a:solidFill>
-                  <a:srgbClr val="FFFFFF"/>
-                </a:solidFill>
-              </a14:hiddenFill>
-            </a:ext>
-          </a:extLst>
-        </p:spPr>
-      </p:pic>
-      <p:pic>
-        <p:nvPicPr>
-          <p:cNvPr id="3076" name="Picture 4">
-            <a:extLst>
-              <a:ext uri="{FF2B5EF4-FFF2-40B4-BE49-F238E27FC236}">
-                <a16:creationId xmlns:a16="http://schemas.microsoft.com/office/drawing/2014/main" id="{142D4036-4AD0-4254-85B8-44DE47E974AD}"/>
-              </a:ext>
-            </a:extLst>
-          </p:cNvPr>
-          <p:cNvPicPr>
-            <a:picLocks noChangeAspect="1" noChangeArrowheads="1"/>
-          </p:cNvPicPr>
-          <p:nvPr/>
-        </p:nvPicPr>
-        <p:blipFill>
-          <a:blip r:embed="rId3">
-            <a:extLst>
-              <a:ext uri="{28A0092B-C50C-407E-A947-70E740481C1C}">
-                <a14:useLocalDpi xmlns:a14="http://schemas.microsoft.com/office/drawing/2010/main" val="0"/>
-              </a:ext>
-            </a:extLst>
-          </a:blip>
-          <a:srcRect/>
-          <a:stretch>
-            <a:fillRect/>
-          </a:stretch>
-        </p:blipFill>
-        <p:spPr bwMode="auto">
-          <a:xfrm>
-            <a:off x="4307024" y="2896825"/>
+            <a:off x="381000" y="2907682"/>
             <a:ext cx="3743325" cy="2514600"/>
           </a:xfrm>
           <a:prstGeom prst="rect">
@@ -12115,7 +12067,7 @@
           <p:nvPr/>
         </p:nvPicPr>
         <p:blipFill>
-          <a:blip r:embed="rId4">
+          <a:blip r:embed="rId3">
             <a:extLst>
               <a:ext uri="{28A0092B-C50C-407E-A947-70E740481C1C}">
                 <a14:useLocalDpi xmlns:a14="http://schemas.microsoft.com/office/drawing/2010/main" val="0"/>
@@ -12129,8 +12081,55 @@
         </p:blipFill>
         <p:spPr bwMode="auto">
           <a:xfrm>
-            <a:off x="8233049" y="2896825"/>
+            <a:off x="4122683" y="2907682"/>
             <a:ext cx="3743325" cy="2514600"/>
+          </a:xfrm>
+          <a:prstGeom prst="rect">
+            <a:avLst/>
+          </a:prstGeom>
+          <a:noFill/>
+          <a:extLst>
+            <a:ext uri="{909E8E84-426E-40DD-AFC4-6F175D3DCCD1}">
+              <a14:hiddenFill xmlns:a14="http://schemas.microsoft.com/office/drawing/2010/main">
+                <a:solidFill>
+                  <a:srgbClr val="FFFFFF"/>
+                </a:solidFill>
+              </a14:hiddenFill>
+            </a:ext>
+          </a:extLst>
+        </p:spPr>
+      </p:pic>
+      <p:pic>
+        <p:nvPicPr>
+          <p:cNvPr id="3" name="Picture 2">
+            <a:extLst>
+              <a:ext uri="{FF2B5EF4-FFF2-40B4-BE49-F238E27FC236}">
+                <a16:creationId xmlns:a16="http://schemas.microsoft.com/office/drawing/2014/main" id="{9FE242F6-3B7B-139B-A75D-65F3889DAC2D}"/>
+              </a:ext>
+            </a:extLst>
+          </p:cNvPr>
+          <p:cNvPicPr>
+            <a:picLocks noChangeAspect="1" noChangeArrowheads="1"/>
+          </p:cNvPicPr>
+          <p:nvPr/>
+        </p:nvPicPr>
+        <p:blipFill>
+          <a:blip r:embed="rId4">
+            <a:extLst>
+              <a:ext uri="{28A0092B-C50C-407E-A947-70E740481C1C}">
+                <a14:useLocalDpi xmlns:a14="http://schemas.microsoft.com/office/drawing/2010/main" val="0"/>
+              </a:ext>
+            </a:extLst>
+          </a:blip>
+          <a:srcRect/>
+          <a:stretch>
+            <a:fillRect/>
+          </a:stretch>
+        </p:blipFill>
+        <p:spPr bwMode="auto">
+          <a:xfrm>
+            <a:off x="7864366" y="2907682"/>
+            <a:ext cx="3810000" cy="2514600"/>
           </a:xfrm>
           <a:prstGeom prst="rect">
             <a:avLst/>
@@ -12343,7 +12342,7 @@
           <a:p>
             <a:r>
               <a:rPr lang="en-US" dirty="0"/>
-              <a:t>Possibilities for future expand</a:t>
+              <a:t>Potential future improvements</a:t>
             </a:r>
           </a:p>
         </p:txBody>

--- a/ProjectReportPresentation.pptx
+++ b/ProjectReportPresentation.pptx
@@ -224,7 +224,7 @@
           <a:p>
             <a:fld id="{8FA2BE9F-DAE6-48F5-9E72-C32827DA6BA0}" type="datetimeFigureOut">
               <a:rPr lang="en-US" smtClean="0"/>
-              <a:t>4/5/2023</a:t>
+              <a:t>4/10/2023</a:t>
             </a:fld>
             <a:endParaRPr lang="en-US"/>
           </a:p>
@@ -1282,7 +1282,7 @@
           <a:p>
             <a:fld id="{1A3DC9A9-B6E5-4E50-9F75-EF86E7D5F96E}" type="datetimeFigureOut">
               <a:rPr lang="en-US" smtClean="0"/>
-              <a:t>4/5/2023</a:t>
+              <a:t>4/10/2023</a:t>
             </a:fld>
             <a:endParaRPr lang="en-US"/>
           </a:p>
@@ -1480,7 +1480,7 @@
           <a:p>
             <a:fld id="{1A3DC9A9-B6E5-4E50-9F75-EF86E7D5F96E}" type="datetimeFigureOut">
               <a:rPr lang="en-US" smtClean="0"/>
-              <a:t>4/5/2023</a:t>
+              <a:t>4/10/2023</a:t>
             </a:fld>
             <a:endParaRPr lang="en-US"/>
           </a:p>
@@ -1688,7 +1688,7 @@
           <a:p>
             <a:fld id="{1A3DC9A9-B6E5-4E50-9F75-EF86E7D5F96E}" type="datetimeFigureOut">
               <a:rPr lang="en-US" smtClean="0"/>
-              <a:t>4/5/2023</a:t>
+              <a:t>4/10/2023</a:t>
             </a:fld>
             <a:endParaRPr lang="en-US"/>
           </a:p>
@@ -1886,7 +1886,7 @@
           <a:p>
             <a:fld id="{1A3DC9A9-B6E5-4E50-9F75-EF86E7D5F96E}" type="datetimeFigureOut">
               <a:rPr lang="en-US" smtClean="0"/>
-              <a:t>4/5/2023</a:t>
+              <a:t>4/10/2023</a:t>
             </a:fld>
             <a:endParaRPr lang="en-US"/>
           </a:p>
@@ -2161,7 +2161,7 @@
           <a:p>
             <a:fld id="{1A3DC9A9-B6E5-4E50-9F75-EF86E7D5F96E}" type="datetimeFigureOut">
               <a:rPr lang="en-US" smtClean="0"/>
-              <a:t>4/5/2023</a:t>
+              <a:t>4/10/2023</a:t>
             </a:fld>
             <a:endParaRPr lang="en-US"/>
           </a:p>
@@ -2426,7 +2426,7 @@
           <a:p>
             <a:fld id="{1A3DC9A9-B6E5-4E50-9F75-EF86E7D5F96E}" type="datetimeFigureOut">
               <a:rPr lang="en-US" smtClean="0"/>
-              <a:t>4/5/2023</a:t>
+              <a:t>4/10/2023</a:t>
             </a:fld>
             <a:endParaRPr lang="en-US"/>
           </a:p>
@@ -2838,7 +2838,7 @@
           <a:p>
             <a:fld id="{1A3DC9A9-B6E5-4E50-9F75-EF86E7D5F96E}" type="datetimeFigureOut">
               <a:rPr lang="en-US" smtClean="0"/>
-              <a:t>4/5/2023</a:t>
+              <a:t>4/10/2023</a:t>
             </a:fld>
             <a:endParaRPr lang="en-US"/>
           </a:p>
@@ -2979,7 +2979,7 @@
           <a:p>
             <a:fld id="{1A3DC9A9-B6E5-4E50-9F75-EF86E7D5F96E}" type="datetimeFigureOut">
               <a:rPr lang="en-US" smtClean="0"/>
-              <a:t>4/5/2023</a:t>
+              <a:t>4/10/2023</a:t>
             </a:fld>
             <a:endParaRPr lang="en-US"/>
           </a:p>
@@ -3092,7 +3092,7 @@
           <a:p>
             <a:fld id="{1A3DC9A9-B6E5-4E50-9F75-EF86E7D5F96E}" type="datetimeFigureOut">
               <a:rPr lang="en-US" smtClean="0"/>
-              <a:t>4/5/2023</a:t>
+              <a:t>4/10/2023</a:t>
             </a:fld>
             <a:endParaRPr lang="en-US"/>
           </a:p>
@@ -3403,7 +3403,7 @@
           <a:p>
             <a:fld id="{1A3DC9A9-B6E5-4E50-9F75-EF86E7D5F96E}" type="datetimeFigureOut">
               <a:rPr lang="en-US" smtClean="0"/>
-              <a:t>4/5/2023</a:t>
+              <a:t>4/10/2023</a:t>
             </a:fld>
             <a:endParaRPr lang="en-US"/>
           </a:p>
@@ -3691,7 +3691,7 @@
           <a:p>
             <a:fld id="{1A3DC9A9-B6E5-4E50-9F75-EF86E7D5F96E}" type="datetimeFigureOut">
               <a:rPr lang="en-US" smtClean="0"/>
-              <a:t>4/5/2023</a:t>
+              <a:t>4/10/2023</a:t>
             </a:fld>
             <a:endParaRPr lang="en-US"/>
           </a:p>
@@ -3932,7 +3932,7 @@
           <a:p>
             <a:fld id="{1A3DC9A9-B6E5-4E50-9F75-EF86E7D5F96E}" type="datetimeFigureOut">
               <a:rPr lang="en-US" smtClean="0"/>
-              <a:t>4/5/2023</a:t>
+              <a:t>4/10/2023</a:t>
             </a:fld>
             <a:endParaRPr lang="en-US"/>
           </a:p>
@@ -11066,52 +11066,81 @@
             </a:lvl9pPr>
           </a:lstStyle>
           <a:p>
+            <a:pPr>
+              <a:buSzPct val="50000"/>
+              <a:buFont typeface="Wingdings" panose="05000000000000000000" pitchFamily="2" charset="2"/>
+              <a:buChar char="q"/>
+            </a:pPr>
             <a:r>
               <a:rPr lang="en-US" dirty="0"/>
               <a:t>Architecture diagrams</a:t>
             </a:r>
           </a:p>
           <a:p>
+            <a:pPr>
+              <a:buSzPct val="50000"/>
+              <a:buFont typeface="Wingdings" panose="05000000000000000000" pitchFamily="2" charset="2"/>
+              <a:buChar char="q"/>
+            </a:pPr>
             <a:r>
               <a:rPr lang="en-US" dirty="0"/>
               <a:t>Results</a:t>
             </a:r>
           </a:p>
           <a:p>
+            <a:pPr>
+              <a:buSzPct val="50000"/>
+              <a:buFont typeface="Wingdings" panose="05000000000000000000" pitchFamily="2" charset="2"/>
+              <a:buChar char="q"/>
+            </a:pPr>
             <a:r>
               <a:rPr lang="en-US" dirty="0"/>
               <a:t>Challenges </a:t>
             </a:r>
           </a:p>
           <a:p>
+            <a:pPr>
+              <a:buSzPct val="50000"/>
+              <a:buFont typeface="Wingdings" panose="05000000000000000000" pitchFamily="2" charset="2"/>
+              <a:buChar char="q"/>
+            </a:pPr>
             <a:r>
               <a:rPr lang="en-US" dirty="0"/>
               <a:t>Future work</a:t>
             </a:r>
           </a:p>
           <a:p>
+            <a:pPr>
+              <a:buSzPct val="50000"/>
+              <a:buFont typeface="Wingdings" panose="05000000000000000000" pitchFamily="2" charset="2"/>
+              <a:buChar char="q"/>
+            </a:pPr>
             <a:r>
               <a:rPr lang="en-US" dirty="0"/>
               <a:t>Conclusion</a:t>
             </a:r>
           </a:p>
           <a:p>
+            <a:pPr>
+              <a:buSzPct val="50000"/>
+              <a:buFont typeface="Wingdings" panose="05000000000000000000" pitchFamily="2" charset="2"/>
+              <a:buChar char="q"/>
+            </a:pPr>
             <a:r>
               <a:rPr lang="en-US" dirty="0"/>
               <a:t>References </a:t>
             </a:r>
           </a:p>
           <a:p>
+            <a:pPr>
+              <a:buSzPct val="50000"/>
+              <a:buFont typeface="Wingdings" panose="05000000000000000000" pitchFamily="2" charset="2"/>
+              <a:buChar char="q"/>
+            </a:pPr>
             <a:r>
               <a:rPr lang="en-US" dirty="0"/>
               <a:t>Repository </a:t>
             </a:r>
-          </a:p>
-          <a:p>
-            <a:endParaRPr lang="en-US" dirty="0"/>
-          </a:p>
-          <a:p>
-            <a:endParaRPr lang="en-US" dirty="0"/>
           </a:p>
         </p:txBody>
       </p:sp>
